--- a/ppt 16-9/0275.耶稣基督快再来.pptx
+++ b/ppt 16-9/0275.耶稣基督快再来.pptx
@@ -129,7 +129,7 @@
           <p:cNvPr id="2" name="标题 1">
             <a:extLst>
               <a:ext uri="{FF2B5EF4-FFF2-40B4-BE49-F238E27FC236}">
-                <a16:creationId xmlns:a16="http://schemas.microsoft.com/office/drawing/2014/main" id="{94A4BE2D-1A5F-B9CC-5E4A-5A29B622A8AE}"/>
+                <a16:creationId xmlns:a16="http://schemas.microsoft.com/office/drawing/2014/main" id="{7F736B2C-C58A-C3A0-4FC0-80B5B4128396}"/>
               </a:ext>
             </a:extLst>
           </p:cNvPr>
@@ -166,7 +166,7 @@
           <p:cNvPr id="3" name="副标题 2">
             <a:extLst>
               <a:ext uri="{FF2B5EF4-FFF2-40B4-BE49-F238E27FC236}">
-                <a16:creationId xmlns:a16="http://schemas.microsoft.com/office/drawing/2014/main" id="{5A720391-F337-DF75-C9D5-C4A9CB61B369}"/>
+                <a16:creationId xmlns:a16="http://schemas.microsoft.com/office/drawing/2014/main" id="{DD98650B-8E40-E74E-2C4C-7CC23FCAED35}"/>
               </a:ext>
             </a:extLst>
           </p:cNvPr>
@@ -236,7 +236,7 @@
           <p:cNvPr id="4" name="日期占位符 3">
             <a:extLst>
               <a:ext uri="{FF2B5EF4-FFF2-40B4-BE49-F238E27FC236}">
-                <a16:creationId xmlns:a16="http://schemas.microsoft.com/office/drawing/2014/main" id="{FBAFB895-0ABF-AEC2-AB31-97BA76C8870F}"/>
+                <a16:creationId xmlns:a16="http://schemas.microsoft.com/office/drawing/2014/main" id="{27B91DAF-3D6D-5700-DBF4-7BA25058C94E}"/>
               </a:ext>
             </a:extLst>
           </p:cNvPr>
@@ -252,7 +252,7 @@
           <a:bodyPr/>
           <a:lstStyle/>
           <a:p>
-            <a:fld id="{1D00659B-6DDA-48B9-B0F5-B47478A5E64E}" type="datetimeFigureOut">
+            <a:fld id="{A831797F-CA0F-4DA0-AE51-0D283B9438BA}" type="datetimeFigureOut">
               <a:rPr lang="zh-CN" altLang="en-US" smtClean="0"/>
               <a:t>2024/3/10</a:t>
             </a:fld>
@@ -265,7 +265,7 @@
           <p:cNvPr id="5" name="页脚占位符 4">
             <a:extLst>
               <a:ext uri="{FF2B5EF4-FFF2-40B4-BE49-F238E27FC236}">
-                <a16:creationId xmlns:a16="http://schemas.microsoft.com/office/drawing/2014/main" id="{32F03D1E-3D42-3FAE-0E8B-12872E5D57C9}"/>
+                <a16:creationId xmlns:a16="http://schemas.microsoft.com/office/drawing/2014/main" id="{F460B357-1F8B-3245-F15F-2722E3950969}"/>
               </a:ext>
             </a:extLst>
           </p:cNvPr>
@@ -290,7 +290,7 @@
           <p:cNvPr id="6" name="灯片编号占位符 5">
             <a:extLst>
               <a:ext uri="{FF2B5EF4-FFF2-40B4-BE49-F238E27FC236}">
-                <a16:creationId xmlns:a16="http://schemas.microsoft.com/office/drawing/2014/main" id="{DD55786B-22CC-DA4E-29F1-934A520F1ACC}"/>
+                <a16:creationId xmlns:a16="http://schemas.microsoft.com/office/drawing/2014/main" id="{D9FE1E6C-9E7D-F377-CC14-7EEE14607DF2}"/>
               </a:ext>
             </a:extLst>
           </p:cNvPr>
@@ -306,7 +306,7 @@
           <a:bodyPr/>
           <a:lstStyle/>
           <a:p>
-            <a:fld id="{1EE59ACE-2471-4E5E-92AA-07AC7FB9638C}" type="slidenum">
+            <a:fld id="{F9C04A12-6E21-400C-9735-74CD8CFDEF5B}" type="slidenum">
               <a:rPr lang="zh-CN" altLang="en-US" smtClean="0"/>
               <a:t>‹#›</a:t>
             </a:fld>
@@ -317,7 +317,7 @@
     </p:spTree>
     <p:extLst>
       <p:ext uri="{BB962C8B-B14F-4D97-AF65-F5344CB8AC3E}">
-        <p14:creationId xmlns:p14="http://schemas.microsoft.com/office/powerpoint/2010/main" val="905773980"/>
+        <p14:creationId xmlns:p14="http://schemas.microsoft.com/office/powerpoint/2010/main" val="1593294696"/>
       </p:ext>
     </p:extLst>
   </p:cSld>
@@ -349,7 +349,7 @@
           <p:cNvPr id="2" name="标题 1">
             <a:extLst>
               <a:ext uri="{FF2B5EF4-FFF2-40B4-BE49-F238E27FC236}">
-                <a16:creationId xmlns:a16="http://schemas.microsoft.com/office/drawing/2014/main" id="{EC865332-3BBE-04BC-8C16-00B76824891C}"/>
+                <a16:creationId xmlns:a16="http://schemas.microsoft.com/office/drawing/2014/main" id="{907422AB-9982-C7CB-4E7D-BA3197D336AD}"/>
               </a:ext>
             </a:extLst>
           </p:cNvPr>
@@ -377,7 +377,7 @@
           <p:cNvPr id="3" name="竖排文字占位符 2">
             <a:extLst>
               <a:ext uri="{FF2B5EF4-FFF2-40B4-BE49-F238E27FC236}">
-                <a16:creationId xmlns:a16="http://schemas.microsoft.com/office/drawing/2014/main" id="{836D9EC2-6DF7-3F99-72DE-14F05E2667B6}"/>
+                <a16:creationId xmlns:a16="http://schemas.microsoft.com/office/drawing/2014/main" id="{2BBB81F2-98F1-FA4D-84ED-D46B0B4B8827}"/>
               </a:ext>
             </a:extLst>
           </p:cNvPr>
@@ -434,7 +434,7 @@
           <p:cNvPr id="4" name="日期占位符 3">
             <a:extLst>
               <a:ext uri="{FF2B5EF4-FFF2-40B4-BE49-F238E27FC236}">
-                <a16:creationId xmlns:a16="http://schemas.microsoft.com/office/drawing/2014/main" id="{B63C5D37-3474-E8FC-8780-578005D0085C}"/>
+                <a16:creationId xmlns:a16="http://schemas.microsoft.com/office/drawing/2014/main" id="{E3C5F1BA-CBF7-2F0F-7AF8-0B0B0EBAD6CD}"/>
               </a:ext>
             </a:extLst>
           </p:cNvPr>
@@ -450,7 +450,7 @@
           <a:bodyPr/>
           <a:lstStyle/>
           <a:p>
-            <a:fld id="{1D00659B-6DDA-48B9-B0F5-B47478A5E64E}" type="datetimeFigureOut">
+            <a:fld id="{A831797F-CA0F-4DA0-AE51-0D283B9438BA}" type="datetimeFigureOut">
               <a:rPr lang="zh-CN" altLang="en-US" smtClean="0"/>
               <a:t>2024/3/10</a:t>
             </a:fld>
@@ -463,7 +463,7 @@
           <p:cNvPr id="5" name="页脚占位符 4">
             <a:extLst>
               <a:ext uri="{FF2B5EF4-FFF2-40B4-BE49-F238E27FC236}">
-                <a16:creationId xmlns:a16="http://schemas.microsoft.com/office/drawing/2014/main" id="{3170F597-7FBD-183E-3F4A-8FFD14D9E916}"/>
+                <a16:creationId xmlns:a16="http://schemas.microsoft.com/office/drawing/2014/main" id="{17EECF5D-6131-5498-A387-9EF8D9864CA7}"/>
               </a:ext>
             </a:extLst>
           </p:cNvPr>
@@ -488,7 +488,7 @@
           <p:cNvPr id="6" name="灯片编号占位符 5">
             <a:extLst>
               <a:ext uri="{FF2B5EF4-FFF2-40B4-BE49-F238E27FC236}">
-                <a16:creationId xmlns:a16="http://schemas.microsoft.com/office/drawing/2014/main" id="{031C07F4-307E-89C1-1F22-67D1864973BE}"/>
+                <a16:creationId xmlns:a16="http://schemas.microsoft.com/office/drawing/2014/main" id="{0174F8D4-219D-9EA4-65F1-7F984AE9A6B2}"/>
               </a:ext>
             </a:extLst>
           </p:cNvPr>
@@ -504,7 +504,7 @@
           <a:bodyPr/>
           <a:lstStyle/>
           <a:p>
-            <a:fld id="{1EE59ACE-2471-4E5E-92AA-07AC7FB9638C}" type="slidenum">
+            <a:fld id="{F9C04A12-6E21-400C-9735-74CD8CFDEF5B}" type="slidenum">
               <a:rPr lang="zh-CN" altLang="en-US" smtClean="0"/>
               <a:t>‹#›</a:t>
             </a:fld>
@@ -515,7 +515,7 @@
     </p:spTree>
     <p:extLst>
       <p:ext uri="{BB962C8B-B14F-4D97-AF65-F5344CB8AC3E}">
-        <p14:creationId xmlns:p14="http://schemas.microsoft.com/office/powerpoint/2010/main" val="2238894077"/>
+        <p14:creationId xmlns:p14="http://schemas.microsoft.com/office/powerpoint/2010/main" val="2594576395"/>
       </p:ext>
     </p:extLst>
   </p:cSld>
@@ -547,7 +547,7 @@
           <p:cNvPr id="2" name="竖排标题 1">
             <a:extLst>
               <a:ext uri="{FF2B5EF4-FFF2-40B4-BE49-F238E27FC236}">
-                <a16:creationId xmlns:a16="http://schemas.microsoft.com/office/drawing/2014/main" id="{6201AD7D-5E59-A1C3-B856-18DE1846BA15}"/>
+                <a16:creationId xmlns:a16="http://schemas.microsoft.com/office/drawing/2014/main" id="{D01ADE6C-13C0-50D2-1ABA-B8586DADD9DD}"/>
               </a:ext>
             </a:extLst>
           </p:cNvPr>
@@ -580,7 +580,7 @@
           <p:cNvPr id="3" name="竖排文字占位符 2">
             <a:extLst>
               <a:ext uri="{FF2B5EF4-FFF2-40B4-BE49-F238E27FC236}">
-                <a16:creationId xmlns:a16="http://schemas.microsoft.com/office/drawing/2014/main" id="{DF3F840B-AB45-ADCF-A850-F28D7504C53C}"/>
+                <a16:creationId xmlns:a16="http://schemas.microsoft.com/office/drawing/2014/main" id="{D3C9E771-28B8-F356-777A-3F6A37710854}"/>
               </a:ext>
             </a:extLst>
           </p:cNvPr>
@@ -642,7 +642,7 @@
           <p:cNvPr id="4" name="日期占位符 3">
             <a:extLst>
               <a:ext uri="{FF2B5EF4-FFF2-40B4-BE49-F238E27FC236}">
-                <a16:creationId xmlns:a16="http://schemas.microsoft.com/office/drawing/2014/main" id="{C756053B-39A4-C69C-4861-A4501C606CE5}"/>
+                <a16:creationId xmlns:a16="http://schemas.microsoft.com/office/drawing/2014/main" id="{F748A44E-7015-259B-A318-FE95D36BD53E}"/>
               </a:ext>
             </a:extLst>
           </p:cNvPr>
@@ -658,7 +658,7 @@
           <a:bodyPr/>
           <a:lstStyle/>
           <a:p>
-            <a:fld id="{1D00659B-6DDA-48B9-B0F5-B47478A5E64E}" type="datetimeFigureOut">
+            <a:fld id="{A831797F-CA0F-4DA0-AE51-0D283B9438BA}" type="datetimeFigureOut">
               <a:rPr lang="zh-CN" altLang="en-US" smtClean="0"/>
               <a:t>2024/3/10</a:t>
             </a:fld>
@@ -671,7 +671,7 @@
           <p:cNvPr id="5" name="页脚占位符 4">
             <a:extLst>
               <a:ext uri="{FF2B5EF4-FFF2-40B4-BE49-F238E27FC236}">
-                <a16:creationId xmlns:a16="http://schemas.microsoft.com/office/drawing/2014/main" id="{8B57FBE2-B3B4-B54B-6E03-4053023E2F55}"/>
+                <a16:creationId xmlns:a16="http://schemas.microsoft.com/office/drawing/2014/main" id="{F7E2804A-45DD-93D9-1126-FD0A249AA5D3}"/>
               </a:ext>
             </a:extLst>
           </p:cNvPr>
@@ -696,7 +696,7 @@
           <p:cNvPr id="6" name="灯片编号占位符 5">
             <a:extLst>
               <a:ext uri="{FF2B5EF4-FFF2-40B4-BE49-F238E27FC236}">
-                <a16:creationId xmlns:a16="http://schemas.microsoft.com/office/drawing/2014/main" id="{43F8C223-9874-8B3E-8DAA-0C5BD2C84CB3}"/>
+                <a16:creationId xmlns:a16="http://schemas.microsoft.com/office/drawing/2014/main" id="{D9F18467-2919-4F0F-D1C3-762F0CAD613C}"/>
               </a:ext>
             </a:extLst>
           </p:cNvPr>
@@ -712,7 +712,7 @@
           <a:bodyPr/>
           <a:lstStyle/>
           <a:p>
-            <a:fld id="{1EE59ACE-2471-4E5E-92AA-07AC7FB9638C}" type="slidenum">
+            <a:fld id="{F9C04A12-6E21-400C-9735-74CD8CFDEF5B}" type="slidenum">
               <a:rPr lang="zh-CN" altLang="en-US" smtClean="0"/>
               <a:t>‹#›</a:t>
             </a:fld>
@@ -723,7 +723,7 @@
     </p:spTree>
     <p:extLst>
       <p:ext uri="{BB962C8B-B14F-4D97-AF65-F5344CB8AC3E}">
-        <p14:creationId xmlns:p14="http://schemas.microsoft.com/office/powerpoint/2010/main" val="2723404358"/>
+        <p14:creationId xmlns:p14="http://schemas.microsoft.com/office/powerpoint/2010/main" val="797606739"/>
       </p:ext>
     </p:extLst>
   </p:cSld>
@@ -755,7 +755,7 @@
           <p:cNvPr id="2" name="标题 1">
             <a:extLst>
               <a:ext uri="{FF2B5EF4-FFF2-40B4-BE49-F238E27FC236}">
-                <a16:creationId xmlns:a16="http://schemas.microsoft.com/office/drawing/2014/main" id="{A26D1AFC-48E6-C3E3-8F7D-E4475A3B2D0C}"/>
+                <a16:creationId xmlns:a16="http://schemas.microsoft.com/office/drawing/2014/main" id="{3591382C-C57B-1024-2585-3194066E8ECF}"/>
               </a:ext>
             </a:extLst>
           </p:cNvPr>
@@ -783,7 +783,7 @@
           <p:cNvPr id="3" name="内容占位符 2">
             <a:extLst>
               <a:ext uri="{FF2B5EF4-FFF2-40B4-BE49-F238E27FC236}">
-                <a16:creationId xmlns:a16="http://schemas.microsoft.com/office/drawing/2014/main" id="{F793C204-1E92-E9D1-572D-3775F44E044D}"/>
+                <a16:creationId xmlns:a16="http://schemas.microsoft.com/office/drawing/2014/main" id="{D1643A5D-1374-9E91-F0E6-23C2DA106BA8}"/>
               </a:ext>
             </a:extLst>
           </p:cNvPr>
@@ -840,7 +840,7 @@
           <p:cNvPr id="4" name="日期占位符 3">
             <a:extLst>
               <a:ext uri="{FF2B5EF4-FFF2-40B4-BE49-F238E27FC236}">
-                <a16:creationId xmlns:a16="http://schemas.microsoft.com/office/drawing/2014/main" id="{2C7FA377-AD44-D044-A905-F80A1AEF573B}"/>
+                <a16:creationId xmlns:a16="http://schemas.microsoft.com/office/drawing/2014/main" id="{2B885708-E2F6-F5D7-0D61-9B7AC97390BB}"/>
               </a:ext>
             </a:extLst>
           </p:cNvPr>
@@ -856,7 +856,7 @@
           <a:bodyPr/>
           <a:lstStyle/>
           <a:p>
-            <a:fld id="{1D00659B-6DDA-48B9-B0F5-B47478A5E64E}" type="datetimeFigureOut">
+            <a:fld id="{A831797F-CA0F-4DA0-AE51-0D283B9438BA}" type="datetimeFigureOut">
               <a:rPr lang="zh-CN" altLang="en-US" smtClean="0"/>
               <a:t>2024/3/10</a:t>
             </a:fld>
@@ -869,7 +869,7 @@
           <p:cNvPr id="5" name="页脚占位符 4">
             <a:extLst>
               <a:ext uri="{FF2B5EF4-FFF2-40B4-BE49-F238E27FC236}">
-                <a16:creationId xmlns:a16="http://schemas.microsoft.com/office/drawing/2014/main" id="{3B748473-2481-9444-0B13-A67544D74F20}"/>
+                <a16:creationId xmlns:a16="http://schemas.microsoft.com/office/drawing/2014/main" id="{AF266872-6276-E56F-6F4A-FAD2857EFC51}"/>
               </a:ext>
             </a:extLst>
           </p:cNvPr>
@@ -894,7 +894,7 @@
           <p:cNvPr id="6" name="灯片编号占位符 5">
             <a:extLst>
               <a:ext uri="{FF2B5EF4-FFF2-40B4-BE49-F238E27FC236}">
-                <a16:creationId xmlns:a16="http://schemas.microsoft.com/office/drawing/2014/main" id="{32F26FD1-687D-1EEE-3DF2-CE2996ECB6B2}"/>
+                <a16:creationId xmlns:a16="http://schemas.microsoft.com/office/drawing/2014/main" id="{904FC5DC-577A-F093-7266-793290DF091A}"/>
               </a:ext>
             </a:extLst>
           </p:cNvPr>
@@ -910,7 +910,7 @@
           <a:bodyPr/>
           <a:lstStyle/>
           <a:p>
-            <a:fld id="{1EE59ACE-2471-4E5E-92AA-07AC7FB9638C}" type="slidenum">
+            <a:fld id="{F9C04A12-6E21-400C-9735-74CD8CFDEF5B}" type="slidenum">
               <a:rPr lang="zh-CN" altLang="en-US" smtClean="0"/>
               <a:t>‹#›</a:t>
             </a:fld>
@@ -921,7 +921,7 @@
     </p:spTree>
     <p:extLst>
       <p:ext uri="{BB962C8B-B14F-4D97-AF65-F5344CB8AC3E}">
-        <p14:creationId xmlns:p14="http://schemas.microsoft.com/office/powerpoint/2010/main" val="3975510386"/>
+        <p14:creationId xmlns:p14="http://schemas.microsoft.com/office/powerpoint/2010/main" val="164014646"/>
       </p:ext>
     </p:extLst>
   </p:cSld>
@@ -953,7 +953,7 @@
           <p:cNvPr id="2" name="标题 1">
             <a:extLst>
               <a:ext uri="{FF2B5EF4-FFF2-40B4-BE49-F238E27FC236}">
-                <a16:creationId xmlns:a16="http://schemas.microsoft.com/office/drawing/2014/main" id="{EDB635BD-C10A-43AD-1C79-A3561C00BE35}"/>
+                <a16:creationId xmlns:a16="http://schemas.microsoft.com/office/drawing/2014/main" id="{424121B9-88A4-B4CB-06B2-60BAA621F275}"/>
               </a:ext>
             </a:extLst>
           </p:cNvPr>
@@ -990,7 +990,7 @@
           <p:cNvPr id="3" name="文本占位符 2">
             <a:extLst>
               <a:ext uri="{FF2B5EF4-FFF2-40B4-BE49-F238E27FC236}">
-                <a16:creationId xmlns:a16="http://schemas.microsoft.com/office/drawing/2014/main" id="{C7C76DDD-2791-A0F3-9A73-AED6E2896A2B}"/>
+                <a16:creationId xmlns:a16="http://schemas.microsoft.com/office/drawing/2014/main" id="{48394249-7C01-E2B4-1CEA-203E6C2F0BC9}"/>
               </a:ext>
             </a:extLst>
           </p:cNvPr>
@@ -1115,7 +1115,7 @@
           <p:cNvPr id="4" name="日期占位符 3">
             <a:extLst>
               <a:ext uri="{FF2B5EF4-FFF2-40B4-BE49-F238E27FC236}">
-                <a16:creationId xmlns:a16="http://schemas.microsoft.com/office/drawing/2014/main" id="{7605D404-824C-703C-7542-60D6A1E79AB0}"/>
+                <a16:creationId xmlns:a16="http://schemas.microsoft.com/office/drawing/2014/main" id="{21777B30-BAFA-47CC-B694-4EC8FFA64E9C}"/>
               </a:ext>
             </a:extLst>
           </p:cNvPr>
@@ -1131,7 +1131,7 @@
           <a:bodyPr/>
           <a:lstStyle/>
           <a:p>
-            <a:fld id="{1D00659B-6DDA-48B9-B0F5-B47478A5E64E}" type="datetimeFigureOut">
+            <a:fld id="{A831797F-CA0F-4DA0-AE51-0D283B9438BA}" type="datetimeFigureOut">
               <a:rPr lang="zh-CN" altLang="en-US" smtClean="0"/>
               <a:t>2024/3/10</a:t>
             </a:fld>
@@ -1144,7 +1144,7 @@
           <p:cNvPr id="5" name="页脚占位符 4">
             <a:extLst>
               <a:ext uri="{FF2B5EF4-FFF2-40B4-BE49-F238E27FC236}">
-                <a16:creationId xmlns:a16="http://schemas.microsoft.com/office/drawing/2014/main" id="{7CB04597-E437-978E-A24F-80B412DCCD63}"/>
+                <a16:creationId xmlns:a16="http://schemas.microsoft.com/office/drawing/2014/main" id="{54534A58-6A25-283C-535F-07BEA2C7FD3F}"/>
               </a:ext>
             </a:extLst>
           </p:cNvPr>
@@ -1169,7 +1169,7 @@
           <p:cNvPr id="6" name="灯片编号占位符 5">
             <a:extLst>
               <a:ext uri="{FF2B5EF4-FFF2-40B4-BE49-F238E27FC236}">
-                <a16:creationId xmlns:a16="http://schemas.microsoft.com/office/drawing/2014/main" id="{44FF7CDE-4D20-A82C-93BB-2979E7AA8370}"/>
+                <a16:creationId xmlns:a16="http://schemas.microsoft.com/office/drawing/2014/main" id="{7A3878A0-8B7D-558B-4E19-FEFC22DC01BF}"/>
               </a:ext>
             </a:extLst>
           </p:cNvPr>
@@ -1185,7 +1185,7 @@
           <a:bodyPr/>
           <a:lstStyle/>
           <a:p>
-            <a:fld id="{1EE59ACE-2471-4E5E-92AA-07AC7FB9638C}" type="slidenum">
+            <a:fld id="{F9C04A12-6E21-400C-9735-74CD8CFDEF5B}" type="slidenum">
               <a:rPr lang="zh-CN" altLang="en-US" smtClean="0"/>
               <a:t>‹#›</a:t>
             </a:fld>
@@ -1196,7 +1196,7 @@
     </p:spTree>
     <p:extLst>
       <p:ext uri="{BB962C8B-B14F-4D97-AF65-F5344CB8AC3E}">
-        <p14:creationId xmlns:p14="http://schemas.microsoft.com/office/powerpoint/2010/main" val="552288074"/>
+        <p14:creationId xmlns:p14="http://schemas.microsoft.com/office/powerpoint/2010/main" val="375936478"/>
       </p:ext>
     </p:extLst>
   </p:cSld>
@@ -1228,7 +1228,7 @@
           <p:cNvPr id="2" name="标题 1">
             <a:extLst>
               <a:ext uri="{FF2B5EF4-FFF2-40B4-BE49-F238E27FC236}">
-                <a16:creationId xmlns:a16="http://schemas.microsoft.com/office/drawing/2014/main" id="{5C8A7716-0ADC-1AF9-EE19-D183C6F45381}"/>
+                <a16:creationId xmlns:a16="http://schemas.microsoft.com/office/drawing/2014/main" id="{2A6021E7-380C-C5C8-4C03-98ABAF17E6F1}"/>
               </a:ext>
             </a:extLst>
           </p:cNvPr>
@@ -1256,7 +1256,7 @@
           <p:cNvPr id="3" name="内容占位符 2">
             <a:extLst>
               <a:ext uri="{FF2B5EF4-FFF2-40B4-BE49-F238E27FC236}">
-                <a16:creationId xmlns:a16="http://schemas.microsoft.com/office/drawing/2014/main" id="{2E20113A-08A5-7C9B-802A-9FD7FAE17AF3}"/>
+                <a16:creationId xmlns:a16="http://schemas.microsoft.com/office/drawing/2014/main" id="{C0AC5599-3551-D447-AE5C-95B3E23C157B}"/>
               </a:ext>
             </a:extLst>
           </p:cNvPr>
@@ -1318,7 +1318,7 @@
           <p:cNvPr id="4" name="内容占位符 3">
             <a:extLst>
               <a:ext uri="{FF2B5EF4-FFF2-40B4-BE49-F238E27FC236}">
-                <a16:creationId xmlns:a16="http://schemas.microsoft.com/office/drawing/2014/main" id="{B9D74E8B-53B9-2663-244B-E26C5567C1AA}"/>
+                <a16:creationId xmlns:a16="http://schemas.microsoft.com/office/drawing/2014/main" id="{BDD1CA12-68E4-1D47-36EA-3A040D29D8AE}"/>
               </a:ext>
             </a:extLst>
           </p:cNvPr>
@@ -1380,7 +1380,7 @@
           <p:cNvPr id="5" name="日期占位符 4">
             <a:extLst>
               <a:ext uri="{FF2B5EF4-FFF2-40B4-BE49-F238E27FC236}">
-                <a16:creationId xmlns:a16="http://schemas.microsoft.com/office/drawing/2014/main" id="{76782CE5-4674-B88A-4C68-2A903B36A5CD}"/>
+                <a16:creationId xmlns:a16="http://schemas.microsoft.com/office/drawing/2014/main" id="{BECAADF6-5BEC-9FD1-B64D-66E881B8595A}"/>
               </a:ext>
             </a:extLst>
           </p:cNvPr>
@@ -1396,7 +1396,7 @@
           <a:bodyPr/>
           <a:lstStyle/>
           <a:p>
-            <a:fld id="{1D00659B-6DDA-48B9-B0F5-B47478A5E64E}" type="datetimeFigureOut">
+            <a:fld id="{A831797F-CA0F-4DA0-AE51-0D283B9438BA}" type="datetimeFigureOut">
               <a:rPr lang="zh-CN" altLang="en-US" smtClean="0"/>
               <a:t>2024/3/10</a:t>
             </a:fld>
@@ -1409,7 +1409,7 @@
           <p:cNvPr id="6" name="页脚占位符 5">
             <a:extLst>
               <a:ext uri="{FF2B5EF4-FFF2-40B4-BE49-F238E27FC236}">
-                <a16:creationId xmlns:a16="http://schemas.microsoft.com/office/drawing/2014/main" id="{4CA7A196-846C-BF54-7261-6CA314DAD1FB}"/>
+                <a16:creationId xmlns:a16="http://schemas.microsoft.com/office/drawing/2014/main" id="{D5781C88-746F-2BA4-A117-CD481F1C366D}"/>
               </a:ext>
             </a:extLst>
           </p:cNvPr>
@@ -1434,7 +1434,7 @@
           <p:cNvPr id="7" name="灯片编号占位符 6">
             <a:extLst>
               <a:ext uri="{FF2B5EF4-FFF2-40B4-BE49-F238E27FC236}">
-                <a16:creationId xmlns:a16="http://schemas.microsoft.com/office/drawing/2014/main" id="{52F69F51-6119-C8EE-E889-D9CAAC2DDB5B}"/>
+                <a16:creationId xmlns:a16="http://schemas.microsoft.com/office/drawing/2014/main" id="{CC00DD2B-CB36-C3DF-4EB8-493A7B7D153F}"/>
               </a:ext>
             </a:extLst>
           </p:cNvPr>
@@ -1450,7 +1450,7 @@
           <a:bodyPr/>
           <a:lstStyle/>
           <a:p>
-            <a:fld id="{1EE59ACE-2471-4E5E-92AA-07AC7FB9638C}" type="slidenum">
+            <a:fld id="{F9C04A12-6E21-400C-9735-74CD8CFDEF5B}" type="slidenum">
               <a:rPr lang="zh-CN" altLang="en-US" smtClean="0"/>
               <a:t>‹#›</a:t>
             </a:fld>
@@ -1461,7 +1461,7 @@
     </p:spTree>
     <p:extLst>
       <p:ext uri="{BB962C8B-B14F-4D97-AF65-F5344CB8AC3E}">
-        <p14:creationId xmlns:p14="http://schemas.microsoft.com/office/powerpoint/2010/main" val="283641991"/>
+        <p14:creationId xmlns:p14="http://schemas.microsoft.com/office/powerpoint/2010/main" val="3468705786"/>
       </p:ext>
     </p:extLst>
   </p:cSld>
@@ -1493,7 +1493,7 @@
           <p:cNvPr id="2" name="标题 1">
             <a:extLst>
               <a:ext uri="{FF2B5EF4-FFF2-40B4-BE49-F238E27FC236}">
-                <a16:creationId xmlns:a16="http://schemas.microsoft.com/office/drawing/2014/main" id="{611785F9-1945-4BCD-899B-249A290C61A2}"/>
+                <a16:creationId xmlns:a16="http://schemas.microsoft.com/office/drawing/2014/main" id="{7107958A-A32A-704C-5F52-C92B6F2D9CEC}"/>
               </a:ext>
             </a:extLst>
           </p:cNvPr>
@@ -1526,7 +1526,7 @@
           <p:cNvPr id="3" name="文本占位符 2">
             <a:extLst>
               <a:ext uri="{FF2B5EF4-FFF2-40B4-BE49-F238E27FC236}">
-                <a16:creationId xmlns:a16="http://schemas.microsoft.com/office/drawing/2014/main" id="{7EAB7654-CBDD-064B-303A-93001C2A2A5D}"/>
+                <a16:creationId xmlns:a16="http://schemas.microsoft.com/office/drawing/2014/main" id="{35734ACB-D20E-9B6A-BB11-935FA7FA5F26}"/>
               </a:ext>
             </a:extLst>
           </p:cNvPr>
@@ -1597,7 +1597,7 @@
           <p:cNvPr id="4" name="内容占位符 3">
             <a:extLst>
               <a:ext uri="{FF2B5EF4-FFF2-40B4-BE49-F238E27FC236}">
-                <a16:creationId xmlns:a16="http://schemas.microsoft.com/office/drawing/2014/main" id="{F13B6191-D886-ADBF-3F83-37003ED9B504}"/>
+                <a16:creationId xmlns:a16="http://schemas.microsoft.com/office/drawing/2014/main" id="{1FC3E088-88AA-E889-52E6-4A3D3BDFD6E8}"/>
               </a:ext>
             </a:extLst>
           </p:cNvPr>
@@ -1659,7 +1659,7 @@
           <p:cNvPr id="5" name="文本占位符 4">
             <a:extLst>
               <a:ext uri="{FF2B5EF4-FFF2-40B4-BE49-F238E27FC236}">
-                <a16:creationId xmlns:a16="http://schemas.microsoft.com/office/drawing/2014/main" id="{AB3192B1-2A72-1D48-2F37-BC6646C78E69}"/>
+                <a16:creationId xmlns:a16="http://schemas.microsoft.com/office/drawing/2014/main" id="{38AC0656-2047-9D6A-89AE-6D939C865E37}"/>
               </a:ext>
             </a:extLst>
           </p:cNvPr>
@@ -1730,7 +1730,7 @@
           <p:cNvPr id="6" name="内容占位符 5">
             <a:extLst>
               <a:ext uri="{FF2B5EF4-FFF2-40B4-BE49-F238E27FC236}">
-                <a16:creationId xmlns:a16="http://schemas.microsoft.com/office/drawing/2014/main" id="{92AFCCDB-E019-B084-5814-76A6CFB41990}"/>
+                <a16:creationId xmlns:a16="http://schemas.microsoft.com/office/drawing/2014/main" id="{22018243-9742-361B-9BF4-35B9B6D3CA92}"/>
               </a:ext>
             </a:extLst>
           </p:cNvPr>
@@ -1792,7 +1792,7 @@
           <p:cNvPr id="7" name="日期占位符 6">
             <a:extLst>
               <a:ext uri="{FF2B5EF4-FFF2-40B4-BE49-F238E27FC236}">
-                <a16:creationId xmlns:a16="http://schemas.microsoft.com/office/drawing/2014/main" id="{F7B733B3-5BF1-1822-AEBC-E3A7188749B2}"/>
+                <a16:creationId xmlns:a16="http://schemas.microsoft.com/office/drawing/2014/main" id="{F98059B9-0711-77D6-8976-39006576E85E}"/>
               </a:ext>
             </a:extLst>
           </p:cNvPr>
@@ -1808,7 +1808,7 @@
           <a:bodyPr/>
           <a:lstStyle/>
           <a:p>
-            <a:fld id="{1D00659B-6DDA-48B9-B0F5-B47478A5E64E}" type="datetimeFigureOut">
+            <a:fld id="{A831797F-CA0F-4DA0-AE51-0D283B9438BA}" type="datetimeFigureOut">
               <a:rPr lang="zh-CN" altLang="en-US" smtClean="0"/>
               <a:t>2024/3/10</a:t>
             </a:fld>
@@ -1821,7 +1821,7 @@
           <p:cNvPr id="8" name="页脚占位符 7">
             <a:extLst>
               <a:ext uri="{FF2B5EF4-FFF2-40B4-BE49-F238E27FC236}">
-                <a16:creationId xmlns:a16="http://schemas.microsoft.com/office/drawing/2014/main" id="{0FBF95CB-78FD-EF3E-6FAC-F8F88DEDC974}"/>
+                <a16:creationId xmlns:a16="http://schemas.microsoft.com/office/drawing/2014/main" id="{727D320E-6715-DE28-D7BF-201A1F4D7864}"/>
               </a:ext>
             </a:extLst>
           </p:cNvPr>
@@ -1846,7 +1846,7 @@
           <p:cNvPr id="9" name="灯片编号占位符 8">
             <a:extLst>
               <a:ext uri="{FF2B5EF4-FFF2-40B4-BE49-F238E27FC236}">
-                <a16:creationId xmlns:a16="http://schemas.microsoft.com/office/drawing/2014/main" id="{DB89C3C7-AA30-D2AB-3B4E-D64EB9728E1E}"/>
+                <a16:creationId xmlns:a16="http://schemas.microsoft.com/office/drawing/2014/main" id="{A31D88A1-88B8-726A-3EDE-027A5175046B}"/>
               </a:ext>
             </a:extLst>
           </p:cNvPr>
@@ -1862,7 +1862,7 @@
           <a:bodyPr/>
           <a:lstStyle/>
           <a:p>
-            <a:fld id="{1EE59ACE-2471-4E5E-92AA-07AC7FB9638C}" type="slidenum">
+            <a:fld id="{F9C04A12-6E21-400C-9735-74CD8CFDEF5B}" type="slidenum">
               <a:rPr lang="zh-CN" altLang="en-US" smtClean="0"/>
               <a:t>‹#›</a:t>
             </a:fld>
@@ -1873,7 +1873,7 @@
     </p:spTree>
     <p:extLst>
       <p:ext uri="{BB962C8B-B14F-4D97-AF65-F5344CB8AC3E}">
-        <p14:creationId xmlns:p14="http://schemas.microsoft.com/office/powerpoint/2010/main" val="767263621"/>
+        <p14:creationId xmlns:p14="http://schemas.microsoft.com/office/powerpoint/2010/main" val="3356945244"/>
       </p:ext>
     </p:extLst>
   </p:cSld>
@@ -1905,7 +1905,7 @@
           <p:cNvPr id="2" name="标题 1">
             <a:extLst>
               <a:ext uri="{FF2B5EF4-FFF2-40B4-BE49-F238E27FC236}">
-                <a16:creationId xmlns:a16="http://schemas.microsoft.com/office/drawing/2014/main" id="{4115BF40-1C79-987B-0CF2-CFECF4937E60}"/>
+                <a16:creationId xmlns:a16="http://schemas.microsoft.com/office/drawing/2014/main" id="{37A9270C-E74C-0E48-48B3-4E2C9ED326EB}"/>
               </a:ext>
             </a:extLst>
           </p:cNvPr>
@@ -1933,7 +1933,7 @@
           <p:cNvPr id="3" name="日期占位符 2">
             <a:extLst>
               <a:ext uri="{FF2B5EF4-FFF2-40B4-BE49-F238E27FC236}">
-                <a16:creationId xmlns:a16="http://schemas.microsoft.com/office/drawing/2014/main" id="{36D29FE0-7ED4-C6DA-3354-1B8B947E1A6D}"/>
+                <a16:creationId xmlns:a16="http://schemas.microsoft.com/office/drawing/2014/main" id="{BEBB303C-2E72-8A08-0E30-E7FAF1196F75}"/>
               </a:ext>
             </a:extLst>
           </p:cNvPr>
@@ -1949,7 +1949,7 @@
           <a:bodyPr/>
           <a:lstStyle/>
           <a:p>
-            <a:fld id="{1D00659B-6DDA-48B9-B0F5-B47478A5E64E}" type="datetimeFigureOut">
+            <a:fld id="{A831797F-CA0F-4DA0-AE51-0D283B9438BA}" type="datetimeFigureOut">
               <a:rPr lang="zh-CN" altLang="en-US" smtClean="0"/>
               <a:t>2024/3/10</a:t>
             </a:fld>
@@ -1962,7 +1962,7 @@
           <p:cNvPr id="4" name="页脚占位符 3">
             <a:extLst>
               <a:ext uri="{FF2B5EF4-FFF2-40B4-BE49-F238E27FC236}">
-                <a16:creationId xmlns:a16="http://schemas.microsoft.com/office/drawing/2014/main" id="{367A423F-4700-6CC7-6C89-C7C8BE5006DE}"/>
+                <a16:creationId xmlns:a16="http://schemas.microsoft.com/office/drawing/2014/main" id="{CD9163D5-7F08-97D6-3C33-67158607DAAA}"/>
               </a:ext>
             </a:extLst>
           </p:cNvPr>
@@ -1987,7 +1987,7 @@
           <p:cNvPr id="5" name="灯片编号占位符 4">
             <a:extLst>
               <a:ext uri="{FF2B5EF4-FFF2-40B4-BE49-F238E27FC236}">
-                <a16:creationId xmlns:a16="http://schemas.microsoft.com/office/drawing/2014/main" id="{08327EEE-A441-92AC-FFA7-302742B1B18E}"/>
+                <a16:creationId xmlns:a16="http://schemas.microsoft.com/office/drawing/2014/main" id="{52C95371-5381-919E-075D-926FE29BFA84}"/>
               </a:ext>
             </a:extLst>
           </p:cNvPr>
@@ -2003,7 +2003,7 @@
           <a:bodyPr/>
           <a:lstStyle/>
           <a:p>
-            <a:fld id="{1EE59ACE-2471-4E5E-92AA-07AC7FB9638C}" type="slidenum">
+            <a:fld id="{F9C04A12-6E21-400C-9735-74CD8CFDEF5B}" type="slidenum">
               <a:rPr lang="zh-CN" altLang="en-US" smtClean="0"/>
               <a:t>‹#›</a:t>
             </a:fld>
@@ -2014,7 +2014,7 @@
     </p:spTree>
     <p:extLst>
       <p:ext uri="{BB962C8B-B14F-4D97-AF65-F5344CB8AC3E}">
-        <p14:creationId xmlns:p14="http://schemas.microsoft.com/office/powerpoint/2010/main" val="2966186951"/>
+        <p14:creationId xmlns:p14="http://schemas.microsoft.com/office/powerpoint/2010/main" val="544359408"/>
       </p:ext>
     </p:extLst>
   </p:cSld>
@@ -2046,7 +2046,7 @@
           <p:cNvPr id="2" name="日期占位符 1">
             <a:extLst>
               <a:ext uri="{FF2B5EF4-FFF2-40B4-BE49-F238E27FC236}">
-                <a16:creationId xmlns:a16="http://schemas.microsoft.com/office/drawing/2014/main" id="{1018F5D1-21FA-EAA6-1EA1-F2422381DAA0}"/>
+                <a16:creationId xmlns:a16="http://schemas.microsoft.com/office/drawing/2014/main" id="{343F1764-9A4A-5251-9073-42AD250A79D7}"/>
               </a:ext>
             </a:extLst>
           </p:cNvPr>
@@ -2062,7 +2062,7 @@
           <a:bodyPr/>
           <a:lstStyle/>
           <a:p>
-            <a:fld id="{1D00659B-6DDA-48B9-B0F5-B47478A5E64E}" type="datetimeFigureOut">
+            <a:fld id="{A831797F-CA0F-4DA0-AE51-0D283B9438BA}" type="datetimeFigureOut">
               <a:rPr lang="zh-CN" altLang="en-US" smtClean="0"/>
               <a:t>2024/3/10</a:t>
             </a:fld>
@@ -2075,7 +2075,7 @@
           <p:cNvPr id="3" name="页脚占位符 2">
             <a:extLst>
               <a:ext uri="{FF2B5EF4-FFF2-40B4-BE49-F238E27FC236}">
-                <a16:creationId xmlns:a16="http://schemas.microsoft.com/office/drawing/2014/main" id="{9E6CBCB6-5D6D-4FD4-4229-9B97D199B5AA}"/>
+                <a16:creationId xmlns:a16="http://schemas.microsoft.com/office/drawing/2014/main" id="{E124CF08-2C9F-14B1-9152-DF9EEA208618}"/>
               </a:ext>
             </a:extLst>
           </p:cNvPr>
@@ -2100,7 +2100,7 @@
           <p:cNvPr id="4" name="灯片编号占位符 3">
             <a:extLst>
               <a:ext uri="{FF2B5EF4-FFF2-40B4-BE49-F238E27FC236}">
-                <a16:creationId xmlns:a16="http://schemas.microsoft.com/office/drawing/2014/main" id="{6D013F31-490F-3E6B-878A-FCE3A57EDD23}"/>
+                <a16:creationId xmlns:a16="http://schemas.microsoft.com/office/drawing/2014/main" id="{43968931-7EAF-DB3A-93E9-2D86BE97F9E7}"/>
               </a:ext>
             </a:extLst>
           </p:cNvPr>
@@ -2116,7 +2116,7 @@
           <a:bodyPr/>
           <a:lstStyle/>
           <a:p>
-            <a:fld id="{1EE59ACE-2471-4E5E-92AA-07AC7FB9638C}" type="slidenum">
+            <a:fld id="{F9C04A12-6E21-400C-9735-74CD8CFDEF5B}" type="slidenum">
               <a:rPr lang="zh-CN" altLang="en-US" smtClean="0"/>
               <a:t>‹#›</a:t>
             </a:fld>
@@ -2127,7 +2127,7 @@
     </p:spTree>
     <p:extLst>
       <p:ext uri="{BB962C8B-B14F-4D97-AF65-F5344CB8AC3E}">
-        <p14:creationId xmlns:p14="http://schemas.microsoft.com/office/powerpoint/2010/main" val="3421225543"/>
+        <p14:creationId xmlns:p14="http://schemas.microsoft.com/office/powerpoint/2010/main" val="3520479457"/>
       </p:ext>
     </p:extLst>
   </p:cSld>
@@ -2159,7 +2159,7 @@
           <p:cNvPr id="2" name="标题 1">
             <a:extLst>
               <a:ext uri="{FF2B5EF4-FFF2-40B4-BE49-F238E27FC236}">
-                <a16:creationId xmlns:a16="http://schemas.microsoft.com/office/drawing/2014/main" id="{0D49C7A2-A22B-3938-29F8-F93ACF9B1F2B}"/>
+                <a16:creationId xmlns:a16="http://schemas.microsoft.com/office/drawing/2014/main" id="{E348D93F-F6D7-D980-EFC4-369D9D9F0652}"/>
               </a:ext>
             </a:extLst>
           </p:cNvPr>
@@ -2196,7 +2196,7 @@
           <p:cNvPr id="3" name="内容占位符 2">
             <a:extLst>
               <a:ext uri="{FF2B5EF4-FFF2-40B4-BE49-F238E27FC236}">
-                <a16:creationId xmlns:a16="http://schemas.microsoft.com/office/drawing/2014/main" id="{E1D77B76-EB30-8DF6-E3B0-9B5D2F45C513}"/>
+                <a16:creationId xmlns:a16="http://schemas.microsoft.com/office/drawing/2014/main" id="{5147CA81-2A9B-9D42-2EFF-E6651CE04F54}"/>
               </a:ext>
             </a:extLst>
           </p:cNvPr>
@@ -2286,7 +2286,7 @@
           <p:cNvPr id="4" name="文本占位符 3">
             <a:extLst>
               <a:ext uri="{FF2B5EF4-FFF2-40B4-BE49-F238E27FC236}">
-                <a16:creationId xmlns:a16="http://schemas.microsoft.com/office/drawing/2014/main" id="{9D1F6D23-83DB-E3ED-7942-1DAD83597FF3}"/>
+                <a16:creationId xmlns:a16="http://schemas.microsoft.com/office/drawing/2014/main" id="{AF5D7D2E-F708-91BD-00E1-2D4ACA1DB07E}"/>
               </a:ext>
             </a:extLst>
           </p:cNvPr>
@@ -2357,7 +2357,7 @@
           <p:cNvPr id="5" name="日期占位符 4">
             <a:extLst>
               <a:ext uri="{FF2B5EF4-FFF2-40B4-BE49-F238E27FC236}">
-                <a16:creationId xmlns:a16="http://schemas.microsoft.com/office/drawing/2014/main" id="{1D30EA90-9F56-FBF6-A478-65011CAD9FE8}"/>
+                <a16:creationId xmlns:a16="http://schemas.microsoft.com/office/drawing/2014/main" id="{41D4DA09-D0F4-1914-B77A-F8BEB4CA72B1}"/>
               </a:ext>
             </a:extLst>
           </p:cNvPr>
@@ -2373,7 +2373,7 @@
           <a:bodyPr/>
           <a:lstStyle/>
           <a:p>
-            <a:fld id="{1D00659B-6DDA-48B9-B0F5-B47478A5E64E}" type="datetimeFigureOut">
+            <a:fld id="{A831797F-CA0F-4DA0-AE51-0D283B9438BA}" type="datetimeFigureOut">
               <a:rPr lang="zh-CN" altLang="en-US" smtClean="0"/>
               <a:t>2024/3/10</a:t>
             </a:fld>
@@ -2386,7 +2386,7 @@
           <p:cNvPr id="6" name="页脚占位符 5">
             <a:extLst>
               <a:ext uri="{FF2B5EF4-FFF2-40B4-BE49-F238E27FC236}">
-                <a16:creationId xmlns:a16="http://schemas.microsoft.com/office/drawing/2014/main" id="{13232DCF-EE69-5AAC-66A1-3F3F916BD87E}"/>
+                <a16:creationId xmlns:a16="http://schemas.microsoft.com/office/drawing/2014/main" id="{9F5E02CD-5592-5CA8-E5F4-713342BFBA79}"/>
               </a:ext>
             </a:extLst>
           </p:cNvPr>
@@ -2411,7 +2411,7 @@
           <p:cNvPr id="7" name="灯片编号占位符 6">
             <a:extLst>
               <a:ext uri="{FF2B5EF4-FFF2-40B4-BE49-F238E27FC236}">
-                <a16:creationId xmlns:a16="http://schemas.microsoft.com/office/drawing/2014/main" id="{F603AA56-6337-B991-3479-D595FF6985BD}"/>
+                <a16:creationId xmlns:a16="http://schemas.microsoft.com/office/drawing/2014/main" id="{7DFCFF74-3461-E4D0-DC61-9D4AF2072742}"/>
               </a:ext>
             </a:extLst>
           </p:cNvPr>
@@ -2427,7 +2427,7 @@
           <a:bodyPr/>
           <a:lstStyle/>
           <a:p>
-            <a:fld id="{1EE59ACE-2471-4E5E-92AA-07AC7FB9638C}" type="slidenum">
+            <a:fld id="{F9C04A12-6E21-400C-9735-74CD8CFDEF5B}" type="slidenum">
               <a:rPr lang="zh-CN" altLang="en-US" smtClean="0"/>
               <a:t>‹#›</a:t>
             </a:fld>
@@ -2438,7 +2438,7 @@
     </p:spTree>
     <p:extLst>
       <p:ext uri="{BB962C8B-B14F-4D97-AF65-F5344CB8AC3E}">
-        <p14:creationId xmlns:p14="http://schemas.microsoft.com/office/powerpoint/2010/main" val="3087237484"/>
+        <p14:creationId xmlns:p14="http://schemas.microsoft.com/office/powerpoint/2010/main" val="2319019835"/>
       </p:ext>
     </p:extLst>
   </p:cSld>
@@ -2470,7 +2470,7 @@
           <p:cNvPr id="2" name="标题 1">
             <a:extLst>
               <a:ext uri="{FF2B5EF4-FFF2-40B4-BE49-F238E27FC236}">
-                <a16:creationId xmlns:a16="http://schemas.microsoft.com/office/drawing/2014/main" id="{02030842-68E9-2E95-E977-0674C4E9639A}"/>
+                <a16:creationId xmlns:a16="http://schemas.microsoft.com/office/drawing/2014/main" id="{6CBA0791-3662-4E26-3C2F-26C95B6C0D4F}"/>
               </a:ext>
             </a:extLst>
           </p:cNvPr>
@@ -2507,7 +2507,7 @@
           <p:cNvPr id="3" name="图片占位符 2">
             <a:extLst>
               <a:ext uri="{FF2B5EF4-FFF2-40B4-BE49-F238E27FC236}">
-                <a16:creationId xmlns:a16="http://schemas.microsoft.com/office/drawing/2014/main" id="{BC064900-F330-10F0-7E5E-46322BCADD03}"/>
+                <a16:creationId xmlns:a16="http://schemas.microsoft.com/office/drawing/2014/main" id="{6D31CEC7-0548-0D7A-9425-7BB91E9A433B}"/>
               </a:ext>
             </a:extLst>
           </p:cNvPr>
@@ -2574,7 +2574,7 @@
           <p:cNvPr id="4" name="文本占位符 3">
             <a:extLst>
               <a:ext uri="{FF2B5EF4-FFF2-40B4-BE49-F238E27FC236}">
-                <a16:creationId xmlns:a16="http://schemas.microsoft.com/office/drawing/2014/main" id="{6953575A-E426-EED5-454C-7ED9A0287747}"/>
+                <a16:creationId xmlns:a16="http://schemas.microsoft.com/office/drawing/2014/main" id="{67A00A82-6465-B1E4-74B4-C9AA43C85FF3}"/>
               </a:ext>
             </a:extLst>
           </p:cNvPr>
@@ -2645,7 +2645,7 @@
           <p:cNvPr id="5" name="日期占位符 4">
             <a:extLst>
               <a:ext uri="{FF2B5EF4-FFF2-40B4-BE49-F238E27FC236}">
-                <a16:creationId xmlns:a16="http://schemas.microsoft.com/office/drawing/2014/main" id="{E81C139A-0E29-0D1D-60B5-DBCE4DED986E}"/>
+                <a16:creationId xmlns:a16="http://schemas.microsoft.com/office/drawing/2014/main" id="{3E58CBD2-6AD8-E221-AEC6-1E47E2085648}"/>
               </a:ext>
             </a:extLst>
           </p:cNvPr>
@@ -2661,7 +2661,7 @@
           <a:bodyPr/>
           <a:lstStyle/>
           <a:p>
-            <a:fld id="{1D00659B-6DDA-48B9-B0F5-B47478A5E64E}" type="datetimeFigureOut">
+            <a:fld id="{A831797F-CA0F-4DA0-AE51-0D283B9438BA}" type="datetimeFigureOut">
               <a:rPr lang="zh-CN" altLang="en-US" smtClean="0"/>
               <a:t>2024/3/10</a:t>
             </a:fld>
@@ -2674,7 +2674,7 @@
           <p:cNvPr id="6" name="页脚占位符 5">
             <a:extLst>
               <a:ext uri="{FF2B5EF4-FFF2-40B4-BE49-F238E27FC236}">
-                <a16:creationId xmlns:a16="http://schemas.microsoft.com/office/drawing/2014/main" id="{3886CA80-60AE-4C1D-604B-C877326A550E}"/>
+                <a16:creationId xmlns:a16="http://schemas.microsoft.com/office/drawing/2014/main" id="{D4858D18-9F54-02D9-2AC3-1EF1012A9006}"/>
               </a:ext>
             </a:extLst>
           </p:cNvPr>
@@ -2699,7 +2699,7 @@
           <p:cNvPr id="7" name="灯片编号占位符 6">
             <a:extLst>
               <a:ext uri="{FF2B5EF4-FFF2-40B4-BE49-F238E27FC236}">
-                <a16:creationId xmlns:a16="http://schemas.microsoft.com/office/drawing/2014/main" id="{65DDBECC-E460-814A-19D6-5ED821A3969C}"/>
+                <a16:creationId xmlns:a16="http://schemas.microsoft.com/office/drawing/2014/main" id="{7FBAFED1-9FBB-DCBD-B379-C5A86A93935A}"/>
               </a:ext>
             </a:extLst>
           </p:cNvPr>
@@ -2715,7 +2715,7 @@
           <a:bodyPr/>
           <a:lstStyle/>
           <a:p>
-            <a:fld id="{1EE59ACE-2471-4E5E-92AA-07AC7FB9638C}" type="slidenum">
+            <a:fld id="{F9C04A12-6E21-400C-9735-74CD8CFDEF5B}" type="slidenum">
               <a:rPr lang="zh-CN" altLang="en-US" smtClean="0"/>
               <a:t>‹#›</a:t>
             </a:fld>
@@ -2726,7 +2726,7 @@
     </p:spTree>
     <p:extLst>
       <p:ext uri="{BB962C8B-B14F-4D97-AF65-F5344CB8AC3E}">
-        <p14:creationId xmlns:p14="http://schemas.microsoft.com/office/powerpoint/2010/main" val="2206173222"/>
+        <p14:creationId xmlns:p14="http://schemas.microsoft.com/office/powerpoint/2010/main" val="3314506420"/>
       </p:ext>
     </p:extLst>
   </p:cSld>
@@ -2763,7 +2763,7 @@
           <p:cNvPr id="2" name="标题占位符 1">
             <a:extLst>
               <a:ext uri="{FF2B5EF4-FFF2-40B4-BE49-F238E27FC236}">
-                <a16:creationId xmlns:a16="http://schemas.microsoft.com/office/drawing/2014/main" id="{5E78A0CC-0954-5178-8641-697AB412FDED}"/>
+                <a16:creationId xmlns:a16="http://schemas.microsoft.com/office/drawing/2014/main" id="{8D15A7F5-4265-F9EA-52B1-7B69D6F2C970}"/>
               </a:ext>
             </a:extLst>
           </p:cNvPr>
@@ -2801,7 +2801,7 @@
           <p:cNvPr id="3" name="文本占位符 2">
             <a:extLst>
               <a:ext uri="{FF2B5EF4-FFF2-40B4-BE49-F238E27FC236}">
-                <a16:creationId xmlns:a16="http://schemas.microsoft.com/office/drawing/2014/main" id="{41DF1C1D-AD1F-DF10-8D15-13508742876E}"/>
+                <a16:creationId xmlns:a16="http://schemas.microsoft.com/office/drawing/2014/main" id="{5C50235C-E2CE-213B-5C01-705F4A8EFBAF}"/>
               </a:ext>
             </a:extLst>
           </p:cNvPr>
@@ -2868,7 +2868,7 @@
           <p:cNvPr id="4" name="日期占位符 3">
             <a:extLst>
               <a:ext uri="{FF2B5EF4-FFF2-40B4-BE49-F238E27FC236}">
-                <a16:creationId xmlns:a16="http://schemas.microsoft.com/office/drawing/2014/main" id="{BC347D47-4D02-1FAC-1F87-CA9DE94220DC}"/>
+                <a16:creationId xmlns:a16="http://schemas.microsoft.com/office/drawing/2014/main" id="{1F9E0DC4-B202-4634-277E-94A005022F15}"/>
               </a:ext>
             </a:extLst>
           </p:cNvPr>
@@ -2902,7 +2902,7 @@
             </a:lvl1pPr>
           </a:lstStyle>
           <a:p>
-            <a:fld id="{1D00659B-6DDA-48B9-B0F5-B47478A5E64E}" type="datetimeFigureOut">
+            <a:fld id="{A831797F-CA0F-4DA0-AE51-0D283B9438BA}" type="datetimeFigureOut">
               <a:rPr lang="zh-CN" altLang="en-US" smtClean="0"/>
               <a:t>2024/3/10</a:t>
             </a:fld>
@@ -2915,7 +2915,7 @@
           <p:cNvPr id="5" name="页脚占位符 4">
             <a:extLst>
               <a:ext uri="{FF2B5EF4-FFF2-40B4-BE49-F238E27FC236}">
-                <a16:creationId xmlns:a16="http://schemas.microsoft.com/office/drawing/2014/main" id="{28EBF9B0-55B5-FCDF-CC32-C84EB82F8104}"/>
+                <a16:creationId xmlns:a16="http://schemas.microsoft.com/office/drawing/2014/main" id="{55FC4235-BA05-DE36-5168-603244A6FDF4}"/>
               </a:ext>
             </a:extLst>
           </p:cNvPr>
@@ -2958,7 +2958,7 @@
           <p:cNvPr id="6" name="灯片编号占位符 5">
             <a:extLst>
               <a:ext uri="{FF2B5EF4-FFF2-40B4-BE49-F238E27FC236}">
-                <a16:creationId xmlns:a16="http://schemas.microsoft.com/office/drawing/2014/main" id="{9B455B88-818B-B1DD-725D-FE076DE80ECF}"/>
+                <a16:creationId xmlns:a16="http://schemas.microsoft.com/office/drawing/2014/main" id="{9DDB47D6-0D37-ECBB-247B-FADB94F32499}"/>
               </a:ext>
             </a:extLst>
           </p:cNvPr>
@@ -2992,7 +2992,7 @@
             </a:lvl1pPr>
           </a:lstStyle>
           <a:p>
-            <a:fld id="{1EE59ACE-2471-4E5E-92AA-07AC7FB9638C}" type="slidenum">
+            <a:fld id="{F9C04A12-6E21-400C-9735-74CD8CFDEF5B}" type="slidenum">
               <a:rPr lang="zh-CN" altLang="en-US" smtClean="0"/>
               <a:t>‹#›</a:t>
             </a:fld>
@@ -3003,7 +3003,7 @@
     </p:spTree>
     <p:extLst>
       <p:ext uri="{BB962C8B-B14F-4D97-AF65-F5344CB8AC3E}">
-        <p14:creationId xmlns:p14="http://schemas.microsoft.com/office/powerpoint/2010/main" val="3914482258"/>
+        <p14:creationId xmlns:p14="http://schemas.microsoft.com/office/powerpoint/2010/main" val="2221021662"/>
       </p:ext>
     </p:extLst>
   </p:cSld>
